--- a/L12.pptx
+++ b/L12.pptx
@@ -198,7 +198,7 @@
           <a:p>
             <a:fld id="{0BAAC053-2B7B-EB46-8806-5FB9B970AF34}" type="datetimeFigureOut">
               <a:rPr lang="en-US" smtClean="0"/>
-              <a:t>12/30/23</a:t>
+              <a:t>1/8/24</a:t>
             </a:fld>
             <a:endParaRPr lang="en-US"/>
           </a:p>
@@ -612,7 +612,7 @@
           <a:p>
             <a:fld id="{C7A15469-0524-8F4F-9E12-76BE9BAEC418}" type="datetime1">
               <a:rPr lang="en-CA" smtClean="0"/>
-              <a:t>2023-12-30</a:t>
+              <a:t>2024-01-08</a:t>
             </a:fld>
             <a:endParaRPr lang="en-US"/>
           </a:p>
@@ -1069,7 +1069,7 @@
           <a:p>
             <a:fld id="{251F351B-3C41-6C46-A5F1-3CA0D762442A}" type="datetime1">
               <a:rPr lang="en-CA" smtClean="0"/>
-              <a:t>2023-12-30</a:t>
+              <a:t>2024-01-08</a:t>
             </a:fld>
             <a:endParaRPr lang="en-US"/>
           </a:p>
@@ -1356,7 +1356,7 @@
           <a:p>
             <a:fld id="{D301FFEF-BC07-6945-8DF9-83389C94DF56}" type="datetime1">
               <a:rPr lang="en-CA" smtClean="0"/>
-              <a:t>2023-12-30</a:t>
+              <a:t>2024-01-08</a:t>
             </a:fld>
             <a:endParaRPr lang="en-US"/>
           </a:p>
@@ -1818,7 +1818,7 @@
           <a:p>
             <a:fld id="{3155D33B-FEF6-E34F-9240-CA7C515C6240}" type="datetime1">
               <a:rPr lang="en-CA" smtClean="0"/>
-              <a:t>2023-12-30</a:t>
+              <a:t>2024-01-08</a:t>
             </a:fld>
             <a:endParaRPr lang="en-US"/>
           </a:p>
@@ -2014,7 +2014,7 @@
           <a:p>
             <a:fld id="{9A561D02-7E11-1544-897F-A30819BC8F60}" type="datetime1">
               <a:rPr lang="en-CA" smtClean="0"/>
-              <a:t>2023-12-30</a:t>
+              <a:t>2024-01-08</a:t>
             </a:fld>
             <a:endParaRPr lang="en-US"/>
           </a:p>
@@ -2210,7 +2210,7 @@
           <a:p>
             <a:fld id="{00E961B8-A498-DA41-8388-3640B039A975}" type="datetime1">
               <a:rPr lang="en-CA" smtClean="0"/>
-              <a:t>2023-12-30</a:t>
+              <a:t>2024-01-08</a:t>
             </a:fld>
             <a:endParaRPr lang="en-US"/>
           </a:p>
@@ -2501,7 +2501,7 @@
           <a:p>
             <a:fld id="{0C46C317-5B29-6F48-A50A-672AEB20555B}" type="datetime1">
               <a:rPr lang="en-CA" smtClean="0"/>
-              <a:t>2023-12-30</a:t>
+              <a:t>2024-01-08</a:t>
             </a:fld>
             <a:endParaRPr lang="en-US"/>
           </a:p>
@@ -2942,7 +2942,7 @@
           <a:p>
             <a:r>
               <a:rPr lang="en-US" dirty="0"/>
-              <a:t>Lecture 12:LLM Inference</a:t>
+              <a:t>Lecture 12:LLM Training</a:t>
             </a:r>
           </a:p>
         </p:txBody>
@@ -2998,7 +2998,7 @@
           <a:p>
             <a:fld id="{EFF2884E-48B2-1441-B188-EF9645BFD4B8}" type="datetime1">
               <a:rPr lang="en-CA" smtClean="0"/>
-              <a:t>2023-12-30</a:t>
+              <a:t>2024-01-08</a:t>
             </a:fld>
             <a:endParaRPr lang="en-US"/>
           </a:p>
@@ -3137,13 +3137,38 @@
         </p:nvSpPr>
         <p:spPr/>
         <p:txBody>
-          <a:bodyPr/>
+          <a:bodyPr>
+            <a:normAutofit fontScale="92500" lnSpcReduction="10000"/>
+          </a:bodyPr>
           <a:lstStyle/>
           <a:p>
             <a:r>
               <a:rPr lang="en-US" dirty="0"/>
-              <a:t>What are the bottlenecks of LLM inference speed and performance</a:t>
-            </a:r>
+              <a:t>The training framework for LLM, these frameworks provide base operations of parameter/optimizer/gradient </a:t>
+            </a:r>
+            <a:r>
+              <a:rPr lang="en-US" dirty="0" err="1"/>
+              <a:t>sharding</a:t>
+            </a:r>
+            <a:r>
+              <a:rPr lang="en-US" dirty="0"/>
+              <a:t> to train LLMs</a:t>
+            </a:r>
+          </a:p>
+          <a:p>
+            <a:pPr lvl="1"/>
+            <a:r>
+              <a:rPr lang="en-US" dirty="0"/>
+              <a:t>Megatron</a:t>
+            </a:r>
+          </a:p>
+          <a:p>
+            <a:pPr lvl="1"/>
+            <a:r>
+              <a:rPr lang="en-US" dirty="0" err="1"/>
+              <a:t>ZeRO</a:t>
+            </a:r>
+            <a:endParaRPr lang="en-US" dirty="0"/>
           </a:p>
           <a:p>
             <a:endParaRPr lang="en-US" dirty="0"/>
@@ -3200,13 +3225,6 @@
               <a:t>Flash Attention</a:t>
             </a:r>
           </a:p>
-          <a:p>
-            <a:pPr lvl="1"/>
-            <a:r>
-              <a:rPr lang="en-US" dirty="0"/>
-              <a:t>Paged Attention</a:t>
-            </a:r>
-          </a:p>
         </p:txBody>
       </p:sp>
       <p:sp>
@@ -3232,7 +3250,7 @@
           <a:p>
             <a:fld id="{251F351B-3C41-6C46-A5F1-3CA0D762442A}" type="datetime1">
               <a:rPr lang="en-CA" smtClean="0"/>
-              <a:t>2023-12-30</a:t>
+              <a:t>2024-01-08</a:t>
             </a:fld>
             <a:endParaRPr lang="en-US"/>
           </a:p>
